--- a/MLC_CapstoneProject__FinalSubmission_Krishnabansuri_K/Task4_ModelDeployment.pptx
+++ b/MLC_CapstoneProject__FinalSubmission_Krishnabansuri_K/Task4_ModelDeployment.pptx
@@ -6,6 +6,8 @@
   </p:sldMasterIdLst>
   <p:sldIdLst>
     <p:sldId id="257" r:id="rId2"/>
+    <p:sldId id="258" r:id="rId3"/>
+    <p:sldId id="259" r:id="rId4"/>
   </p:sldIdLst>
   <p:sldSz cx="12192000" cy="6858000"/>
   <p:notesSz cx="6858000" cy="9144000"/>
@@ -268,7 +270,7 @@
           <a:p>
             <a:fld id="{02AC24A9-CCB6-4F8D-B8DB-C2F3692CFA5A}" type="datetimeFigureOut">
               <a:rPr lang="en-US" smtClean="0"/>
-              <a:t>1/29/2023</a:t>
+              <a:t>2/1/2023</a:t>
             </a:fld>
             <a:endParaRPr lang="en-US" dirty="0"/>
           </a:p>
@@ -638,7 +640,7 @@
           <a:p>
             <a:fld id="{02AC24A9-CCB6-4F8D-B8DB-C2F3692CFA5A}" type="datetimeFigureOut">
               <a:rPr lang="en-US" smtClean="0"/>
-              <a:t>1/29/2023</a:t>
+              <a:t>2/1/2023</a:t>
             </a:fld>
             <a:endParaRPr lang="en-US"/>
           </a:p>
@@ -847,7 +849,7 @@
           <a:p>
             <a:fld id="{02AC24A9-CCB6-4F8D-B8DB-C2F3692CFA5A}" type="datetimeFigureOut">
               <a:rPr lang="en-US" smtClean="0"/>
-              <a:t>1/29/2023</a:t>
+              <a:t>2/1/2023</a:t>
             </a:fld>
             <a:endParaRPr lang="en-US"/>
           </a:p>
@@ -1317,7 +1319,7 @@
           <a:p>
             <a:fld id="{02AC24A9-CCB6-4F8D-B8DB-C2F3692CFA5A}" type="datetimeFigureOut">
               <a:rPr lang="en-US" smtClean="0"/>
-              <a:t>1/29/2023</a:t>
+              <a:t>2/1/2023</a:t>
             </a:fld>
             <a:endParaRPr lang="en-US"/>
           </a:p>
@@ -1771,7 +1773,7 @@
           <a:p>
             <a:fld id="{02AC24A9-CCB6-4F8D-B8DB-C2F3692CFA5A}" type="datetimeFigureOut">
               <a:rPr lang="en-US" smtClean="0"/>
-              <a:t>1/29/2023</a:t>
+              <a:t>2/1/2023</a:t>
             </a:fld>
             <a:endParaRPr lang="en-US"/>
           </a:p>
@@ -2303,7 +2305,7 @@
           <a:p>
             <a:fld id="{02AC24A9-CCB6-4F8D-B8DB-C2F3692CFA5A}" type="datetimeFigureOut">
               <a:rPr lang="en-US" smtClean="0"/>
-              <a:t>1/29/2023</a:t>
+              <a:t>2/1/2023</a:t>
             </a:fld>
             <a:endParaRPr lang="en-US"/>
           </a:p>
@@ -3002,7 +3004,7 @@
           <a:p>
             <a:fld id="{02AC24A9-CCB6-4F8D-B8DB-C2F3692CFA5A}" type="datetimeFigureOut">
               <a:rPr lang="en-US" smtClean="0"/>
-              <a:t>1/29/2023</a:t>
+              <a:t>2/1/2023</a:t>
             </a:fld>
             <a:endParaRPr lang="en-US"/>
           </a:p>
@@ -3331,7 +3333,7 @@
           <a:p>
             <a:fld id="{02AC24A9-CCB6-4F8D-B8DB-C2F3692CFA5A}" type="datetimeFigureOut">
               <a:rPr lang="en-US" smtClean="0"/>
-              <a:t>1/29/2023</a:t>
+              <a:t>2/1/2023</a:t>
             </a:fld>
             <a:endParaRPr lang="en-US"/>
           </a:p>
@@ -3444,7 +3446,7 @@
           <a:p>
             <a:fld id="{02AC24A9-CCB6-4F8D-B8DB-C2F3692CFA5A}" type="datetimeFigureOut">
               <a:rPr lang="en-US" smtClean="0"/>
-              <a:t>1/29/2023</a:t>
+              <a:t>2/1/2023</a:t>
             </a:fld>
             <a:endParaRPr lang="en-US"/>
           </a:p>
@@ -3939,7 +3941,7 @@
           <a:p>
             <a:fld id="{02AC24A9-CCB6-4F8D-B8DB-C2F3692CFA5A}" type="datetimeFigureOut">
               <a:rPr lang="en-US" smtClean="0"/>
-              <a:t>1/29/2023</a:t>
+              <a:t>2/1/2023</a:t>
             </a:fld>
             <a:endParaRPr lang="en-US" dirty="0"/>
           </a:p>
@@ -4416,7 +4418,7 @@
           <a:p>
             <a:fld id="{02AC24A9-CCB6-4F8D-B8DB-C2F3692CFA5A}" type="datetimeFigureOut">
               <a:rPr lang="en-US" smtClean="0"/>
-              <a:t>1/29/2023</a:t>
+              <a:t>2/1/2023</a:t>
             </a:fld>
             <a:endParaRPr lang="en-US"/>
           </a:p>
@@ -4659,7 +4661,7 @@
           <a:p>
             <a:fld id="{02AC24A9-CCB6-4F8D-B8DB-C2F3692CFA5A}" type="datetimeFigureOut">
               <a:rPr lang="en-US" smtClean="0"/>
-              <a:t>1/29/2023</a:t>
+              <a:t>2/1/2023</a:t>
             </a:fld>
             <a:endParaRPr lang="en-US"/>
           </a:p>
@@ -5604,6 +5606,211 @@
 </p:sld>
 </file>
 
+<file path=ppt/slides/slide2.xml><?xml version="1.0" encoding="utf-8"?>
+<p:sld xmlns:a="http://schemas.openxmlformats.org/drawingml/2006/main" xmlns:r="http://schemas.openxmlformats.org/officeDocument/2006/relationships" xmlns:p="http://schemas.openxmlformats.org/presentationml/2006/main">
+  <p:cSld>
+    <p:spTree>
+      <p:nvGrpSpPr>
+        <p:cNvPr id="1" name=""/>
+        <p:cNvGrpSpPr/>
+        <p:nvPr/>
+      </p:nvGrpSpPr>
+      <p:grpSpPr>
+        <a:xfrm>
+          <a:off x="0" y="0"/>
+          <a:ext cx="0" cy="0"/>
+          <a:chOff x="0" y="0"/>
+          <a:chExt cx="0" cy="0"/>
+        </a:xfrm>
+      </p:grpSpPr>
+      <p:sp>
+        <p:nvSpPr>
+          <p:cNvPr id="2" name="Title 1">
+            <a:extLst>
+              <a:ext uri="{FF2B5EF4-FFF2-40B4-BE49-F238E27FC236}">
+                <a16:creationId xmlns:a16="http://schemas.microsoft.com/office/drawing/2014/main" id="{BA1CDD74-C7AC-5C01-D5DF-67566121C021}"/>
+              </a:ext>
+            </a:extLst>
+          </p:cNvPr>
+          <p:cNvSpPr>
+            <a:spLocks noGrp="1"/>
+          </p:cNvSpPr>
+          <p:nvPr>
+            <p:ph type="title"/>
+          </p:nvPr>
+        </p:nvSpPr>
+        <p:spPr>
+          <a:xfrm>
+            <a:off x="1011936" y="0"/>
+            <a:ext cx="10271760" cy="1179576"/>
+          </a:xfrm>
+        </p:spPr>
+        <p:txBody>
+          <a:bodyPr>
+            <a:normAutofit fontScale="90000"/>
+          </a:bodyPr>
+          <a:lstStyle/>
+          <a:p>
+            <a:pPr algn="ctr"/>
+            <a:r>
+              <a:rPr lang="en-IN" b="0" i="0" dirty="0">
+                <a:solidFill>
+                  <a:srgbClr val="091E42"/>
+                </a:solidFill>
+                <a:effectLst/>
+                <a:latin typeface="freight-text-pro"/>
+              </a:rPr>
+              <a:t>Commands used for deploying the flask application on the ec2 instance</a:t>
+            </a:r>
+            <a:endParaRPr lang="en-IN" dirty="0"/>
+          </a:p>
+        </p:txBody>
+      </p:sp>
+      <p:sp>
+        <p:nvSpPr>
+          <p:cNvPr id="3" name="Content Placeholder 2">
+            <a:extLst>
+              <a:ext uri="{FF2B5EF4-FFF2-40B4-BE49-F238E27FC236}">
+                <a16:creationId xmlns:a16="http://schemas.microsoft.com/office/drawing/2014/main" id="{4C48F8EB-DCAB-7D13-B8FF-9689FDF33988}"/>
+              </a:ext>
+            </a:extLst>
+          </p:cNvPr>
+          <p:cNvSpPr>
+            <a:spLocks noGrp="1"/>
+          </p:cNvSpPr>
+          <p:nvPr>
+            <p:ph idx="1"/>
+          </p:nvPr>
+        </p:nvSpPr>
+        <p:spPr>
+          <a:xfrm>
+            <a:off x="1115568" y="1432560"/>
+            <a:ext cx="10168128" cy="4739640"/>
+          </a:xfrm>
+        </p:spPr>
+        <p:txBody>
+          <a:bodyPr/>
+          <a:lstStyle/>
+          <a:p>
+            <a:endParaRPr lang="en-IN" dirty="0"/>
+          </a:p>
+        </p:txBody>
+      </p:sp>
+    </p:spTree>
+    <p:extLst>
+      <p:ext uri="{BB962C8B-B14F-4D97-AF65-F5344CB8AC3E}">
+        <p14:creationId xmlns:p14="http://schemas.microsoft.com/office/powerpoint/2010/main" val="197367706"/>
+      </p:ext>
+    </p:extLst>
+  </p:cSld>
+  <p:clrMapOvr>
+    <a:masterClrMapping/>
+  </p:clrMapOvr>
+</p:sld>
+</file>
+
+<file path=ppt/slides/slide3.xml><?xml version="1.0" encoding="utf-8"?>
+<p:sld xmlns:a="http://schemas.openxmlformats.org/drawingml/2006/main" xmlns:r="http://schemas.openxmlformats.org/officeDocument/2006/relationships" xmlns:p="http://schemas.openxmlformats.org/presentationml/2006/main">
+  <p:cSld>
+    <p:spTree>
+      <p:nvGrpSpPr>
+        <p:cNvPr id="1" name=""/>
+        <p:cNvGrpSpPr/>
+        <p:nvPr/>
+      </p:nvGrpSpPr>
+      <p:grpSpPr>
+        <a:xfrm>
+          <a:off x="0" y="0"/>
+          <a:ext cx="0" cy="0"/>
+          <a:chOff x="0" y="0"/>
+          <a:chExt cx="0" cy="0"/>
+        </a:xfrm>
+      </p:grpSpPr>
+      <p:sp>
+        <p:nvSpPr>
+          <p:cNvPr id="2" name="Title 1">
+            <a:extLst>
+              <a:ext uri="{FF2B5EF4-FFF2-40B4-BE49-F238E27FC236}">
+                <a16:creationId xmlns:a16="http://schemas.microsoft.com/office/drawing/2014/main" id="{BA1CDD74-C7AC-5C01-D5DF-67566121C021}"/>
+              </a:ext>
+            </a:extLst>
+          </p:cNvPr>
+          <p:cNvSpPr>
+            <a:spLocks noGrp="1"/>
+          </p:cNvSpPr>
+          <p:nvPr>
+            <p:ph type="title"/>
+          </p:nvPr>
+        </p:nvSpPr>
+        <p:spPr>
+          <a:xfrm>
+            <a:off x="1011936" y="0"/>
+            <a:ext cx="10271760" cy="1179576"/>
+          </a:xfrm>
+        </p:spPr>
+        <p:txBody>
+          <a:bodyPr>
+            <a:normAutofit fontScale="90000"/>
+          </a:bodyPr>
+          <a:lstStyle/>
+          <a:p>
+            <a:pPr algn="ctr"/>
+            <a:r>
+              <a:rPr lang="en-IN" b="0" i="0" dirty="0">
+                <a:solidFill>
+                  <a:srgbClr val="091E42"/>
+                </a:solidFill>
+                <a:effectLst/>
+                <a:latin typeface="freight-text-pro"/>
+              </a:rPr>
+              <a:t>The screenshot of the final output for predicting the campaigns for the 50 customers</a:t>
+            </a:r>
+          </a:p>
+        </p:txBody>
+      </p:sp>
+      <p:sp>
+        <p:nvSpPr>
+          <p:cNvPr id="3" name="Content Placeholder 2">
+            <a:extLst>
+              <a:ext uri="{FF2B5EF4-FFF2-40B4-BE49-F238E27FC236}">
+                <a16:creationId xmlns:a16="http://schemas.microsoft.com/office/drawing/2014/main" id="{4C48F8EB-DCAB-7D13-B8FF-9689FDF33988}"/>
+              </a:ext>
+            </a:extLst>
+          </p:cNvPr>
+          <p:cNvSpPr>
+            <a:spLocks noGrp="1"/>
+          </p:cNvSpPr>
+          <p:nvPr>
+            <p:ph idx="1"/>
+          </p:nvPr>
+        </p:nvSpPr>
+        <p:spPr>
+          <a:xfrm>
+            <a:off x="1115568" y="1432560"/>
+            <a:ext cx="10168128" cy="4739640"/>
+          </a:xfrm>
+        </p:spPr>
+        <p:txBody>
+          <a:bodyPr/>
+          <a:lstStyle/>
+          <a:p>
+            <a:endParaRPr lang="en-IN" dirty="0"/>
+          </a:p>
+        </p:txBody>
+      </p:sp>
+    </p:spTree>
+    <p:extLst>
+      <p:ext uri="{BB962C8B-B14F-4D97-AF65-F5344CB8AC3E}">
+        <p14:creationId xmlns:p14="http://schemas.microsoft.com/office/powerpoint/2010/main" val="2486248734"/>
+      </p:ext>
+    </p:extLst>
+  </p:cSld>
+  <p:clrMapOvr>
+    <a:masterClrMapping/>
+  </p:clrMapOvr>
+</p:sld>
+</file>
+
 <file path=ppt/theme/theme1.xml><?xml version="1.0" encoding="utf-8"?>
 <a:theme xmlns:a="http://schemas.openxmlformats.org/drawingml/2006/main" name="AccentBoxVTI">
   <a:themeElements>
